--- a/cycle13/Charles_Frank_Cycle13_Presentation.pptx
+++ b/cycle13/Charles_Frank_Cycle13_Presentation.pptx
@@ -16,7 +16,6 @@
     <p:sldId id="266" r:id="rId10"/>
     <p:sldId id="264" r:id="rId11"/>
     <p:sldId id="265" r:id="rId12"/>
-    <p:sldId id="267" r:id="rId13"/>
   </p:sldIdLst>
   <p:sldSz cx="12192000" cy="6858000"/>
   <p:notesSz cx="6858000" cy="9144000"/>
@@ -115,6 +114,11 @@
       </a:defRPr>
     </a:lvl9pPr>
   </p:defaultTextStyle>
+  <p:extLst>
+    <p:ext uri="{EFAFB233-063F-42B5-8137-9DF3F51BA10A}">
+      <p15:sldGuideLst xmlns:p15="http://schemas.microsoft.com/office/powerpoint/2012/main"/>
+    </p:ext>
+  </p:extLst>
 </p:presentation>
 </file>
 
@@ -163,7 +167,6 @@
               <a:rPr lang="en-US"/>
               <a:t>Click to edit Master title style</a:t>
             </a:r>
-            <a:endParaRPr lang="en-US"/>
           </a:p>
         </p:txBody>
       </p:sp>
@@ -228,7 +231,6 @@
               <a:rPr lang="en-US"/>
               <a:t>Click to edit Master subtitle style</a:t>
             </a:r>
-            <a:endParaRPr lang="en-US"/>
           </a:p>
         </p:txBody>
       </p:sp>
@@ -249,7 +251,7 @@
           <a:p>
             <a:fld id="{CF08A3D8-B524-41C2-AA20-BDAAF5D83093}" type="datetimeFigureOut">
               <a:rPr lang="en-US" smtClean="0"/>
-              <a:t>11/11/16</a:t>
+              <a:t>11/12/16</a:t>
             </a:fld>
             <a:endParaRPr lang="en-US"/>
           </a:p>
@@ -346,7 +348,6 @@
               <a:rPr lang="en-US"/>
               <a:t>Click to edit Master title style</a:t>
             </a:r>
-            <a:endParaRPr lang="en-US"/>
           </a:p>
         </p:txBody>
       </p:sp>
@@ -398,7 +399,6 @@
               <a:rPr lang="en-US"/>
               <a:t>Fifth level</a:t>
             </a:r>
-            <a:endParaRPr lang="en-US"/>
           </a:p>
         </p:txBody>
       </p:sp>
@@ -419,7 +419,7 @@
           <a:p>
             <a:fld id="{CF08A3D8-B524-41C2-AA20-BDAAF5D83093}" type="datetimeFigureOut">
               <a:rPr lang="en-US" smtClean="0"/>
-              <a:t>11/11/16</a:t>
+              <a:t>11/12/16</a:t>
             </a:fld>
             <a:endParaRPr lang="en-US"/>
           </a:p>
@@ -521,7 +521,6 @@
               <a:rPr lang="en-US"/>
               <a:t>Click to edit Master title style</a:t>
             </a:r>
-            <a:endParaRPr lang="en-US"/>
           </a:p>
         </p:txBody>
       </p:sp>
@@ -578,7 +577,6 @@
               <a:rPr lang="en-US"/>
               <a:t>Fifth level</a:t>
             </a:r>
-            <a:endParaRPr lang="en-US"/>
           </a:p>
         </p:txBody>
       </p:sp>
@@ -599,7 +597,7 @@
           <a:p>
             <a:fld id="{CF08A3D8-B524-41C2-AA20-BDAAF5D83093}" type="datetimeFigureOut">
               <a:rPr lang="en-US" smtClean="0"/>
-              <a:t>11/11/16</a:t>
+              <a:t>11/12/16</a:t>
             </a:fld>
             <a:endParaRPr lang="en-US"/>
           </a:p>
@@ -696,7 +694,6 @@
               <a:rPr lang="en-US"/>
               <a:t>Click to edit Master title style</a:t>
             </a:r>
-            <a:endParaRPr lang="en-US"/>
           </a:p>
         </p:txBody>
       </p:sp>
@@ -748,7 +745,6 @@
               <a:rPr lang="en-US"/>
               <a:t>Fifth level</a:t>
             </a:r>
-            <a:endParaRPr lang="en-US"/>
           </a:p>
         </p:txBody>
       </p:sp>
@@ -769,7 +765,7 @@
           <a:p>
             <a:fld id="{CF08A3D8-B524-41C2-AA20-BDAAF5D83093}" type="datetimeFigureOut">
               <a:rPr lang="en-US" smtClean="0"/>
-              <a:t>11/11/16</a:t>
+              <a:t>11/12/16</a:t>
             </a:fld>
             <a:endParaRPr lang="en-US"/>
           </a:p>
@@ -875,7 +871,6 @@
               <a:rPr lang="en-US"/>
               <a:t>Click to edit Master title style</a:t>
             </a:r>
-            <a:endParaRPr lang="en-US"/>
           </a:p>
         </p:txBody>
       </p:sp>
@@ -1015,7 +1010,7 @@
           <a:p>
             <a:fld id="{CF08A3D8-B524-41C2-AA20-BDAAF5D83093}" type="datetimeFigureOut">
               <a:rPr lang="en-US" smtClean="0"/>
-              <a:t>11/11/16</a:t>
+              <a:t>11/12/16</a:t>
             </a:fld>
             <a:endParaRPr lang="en-US"/>
           </a:p>
@@ -1112,7 +1107,6 @@
               <a:rPr lang="en-US"/>
               <a:t>Click to edit Master title style</a:t>
             </a:r>
-            <a:endParaRPr lang="en-US"/>
           </a:p>
         </p:txBody>
       </p:sp>
@@ -1169,7 +1163,6 @@
               <a:rPr lang="en-US"/>
               <a:t>Fifth level</a:t>
             </a:r>
-            <a:endParaRPr lang="en-US"/>
           </a:p>
         </p:txBody>
       </p:sp>
@@ -1226,7 +1219,6 @@
               <a:rPr lang="en-US"/>
               <a:t>Fifth level</a:t>
             </a:r>
-            <a:endParaRPr lang="en-US"/>
           </a:p>
         </p:txBody>
       </p:sp>
@@ -1247,7 +1239,7 @@
           <a:p>
             <a:fld id="{CF08A3D8-B524-41C2-AA20-BDAAF5D83093}" type="datetimeFigureOut">
               <a:rPr lang="en-US" smtClean="0"/>
-              <a:t>11/11/16</a:t>
+              <a:t>11/12/16</a:t>
             </a:fld>
             <a:endParaRPr lang="en-US"/>
           </a:p>
@@ -1349,7 +1341,6 @@
               <a:rPr lang="en-US"/>
               <a:t>Click to edit Master title style</a:t>
             </a:r>
-            <a:endParaRPr lang="en-US"/>
           </a:p>
         </p:txBody>
       </p:sp>
@@ -1471,7 +1462,6 @@
               <a:rPr lang="en-US"/>
               <a:t>Fifth level</a:t>
             </a:r>
-            <a:endParaRPr lang="en-US"/>
           </a:p>
         </p:txBody>
       </p:sp>
@@ -1593,7 +1583,6 @@
               <a:rPr lang="en-US"/>
               <a:t>Fifth level</a:t>
             </a:r>
-            <a:endParaRPr lang="en-US"/>
           </a:p>
         </p:txBody>
       </p:sp>
@@ -1614,7 +1603,7 @@
           <a:p>
             <a:fld id="{CF08A3D8-B524-41C2-AA20-BDAAF5D83093}" type="datetimeFigureOut">
               <a:rPr lang="en-US" smtClean="0"/>
-              <a:t>11/11/16</a:t>
+              <a:t>11/12/16</a:t>
             </a:fld>
             <a:endParaRPr lang="en-US"/>
           </a:p>
@@ -1711,7 +1700,6 @@
               <a:rPr lang="en-US"/>
               <a:t>Click to edit Master title style</a:t>
             </a:r>
-            <a:endParaRPr lang="en-US"/>
           </a:p>
         </p:txBody>
       </p:sp>
@@ -1732,7 +1720,7 @@
           <a:p>
             <a:fld id="{CF08A3D8-B524-41C2-AA20-BDAAF5D83093}" type="datetimeFigureOut">
               <a:rPr lang="en-US" smtClean="0"/>
-              <a:t>11/11/16</a:t>
+              <a:t>11/12/16</a:t>
             </a:fld>
             <a:endParaRPr lang="en-US"/>
           </a:p>
@@ -1827,7 +1815,7 @@
           <a:p>
             <a:fld id="{CF08A3D8-B524-41C2-AA20-BDAAF5D83093}" type="datetimeFigureOut">
               <a:rPr lang="en-US" smtClean="0"/>
-              <a:t>11/11/16</a:t>
+              <a:t>11/12/16</a:t>
             </a:fld>
             <a:endParaRPr lang="en-US"/>
           </a:p>
@@ -1933,7 +1921,6 @@
               <a:rPr lang="en-US"/>
               <a:t>Click to edit Master title style</a:t>
             </a:r>
-            <a:endParaRPr lang="en-US"/>
           </a:p>
         </p:txBody>
       </p:sp>
@@ -2018,7 +2005,6 @@
               <a:rPr lang="en-US"/>
               <a:t>Fifth level</a:t>
             </a:r>
-            <a:endParaRPr lang="en-US"/>
           </a:p>
         </p:txBody>
       </p:sp>
@@ -2104,7 +2090,7 @@
           <a:p>
             <a:fld id="{CF08A3D8-B524-41C2-AA20-BDAAF5D83093}" type="datetimeFigureOut">
               <a:rPr lang="en-US" smtClean="0"/>
-              <a:t>11/11/16</a:t>
+              <a:t>11/12/16</a:t>
             </a:fld>
             <a:endParaRPr lang="en-US"/>
           </a:p>
@@ -2210,7 +2196,6 @@
               <a:rPr lang="en-US"/>
               <a:t>Click to edit Master title style</a:t>
             </a:r>
-            <a:endParaRPr lang="en-US"/>
           </a:p>
         </p:txBody>
       </p:sp>
@@ -2357,7 +2342,7 @@
           <a:p>
             <a:fld id="{CF08A3D8-B524-41C2-AA20-BDAAF5D83093}" type="datetimeFigureOut">
               <a:rPr lang="en-US" smtClean="0"/>
-              <a:t>11/11/16</a:t>
+              <a:t>11/12/16</a:t>
             </a:fld>
             <a:endParaRPr lang="en-US"/>
           </a:p>
@@ -2469,7 +2454,6 @@
               <a:rPr lang="en-US"/>
               <a:t>Click to edit Master title style</a:t>
             </a:r>
-            <a:endParaRPr lang="en-US"/>
           </a:p>
         </p:txBody>
       </p:sp>
@@ -2531,7 +2515,6 @@
               <a:rPr lang="en-US"/>
               <a:t>Fifth level</a:t>
             </a:r>
-            <a:endParaRPr lang="en-US"/>
           </a:p>
         </p:txBody>
       </p:sp>
@@ -2570,7 +2553,7 @@
           <a:p>
             <a:fld id="{CF08A3D8-B524-41C2-AA20-BDAAF5D83093}" type="datetimeFigureOut">
               <a:rPr lang="en-US" smtClean="0"/>
-              <a:t>11/11/16</a:t>
+              <a:t>11/12/16</a:t>
             </a:fld>
             <a:endParaRPr lang="en-US"/>
           </a:p>
@@ -3227,54 +3210,24 @@
           </a:prstGeom>
         </p:spPr>
       </p:pic>
-    </p:spTree>
-    <p:extLst>
-      <p:ext uri="{BB962C8B-B14F-4D97-AF65-F5344CB8AC3E}">
-        <p14:creationId xmlns:p14="http://schemas.microsoft.com/office/powerpoint/2010/main" val="3530960078"/>
-      </p:ext>
-    </p:extLst>
-  </p:cSld>
-  <p:clrMapOvr>
-    <a:masterClrMapping/>
-  </p:clrMapOvr>
-</p:sld>
-</file>
-
-<file path=ppt/slides/slide12.xml><?xml version="1.0" encoding="utf-8"?>
-<p:sld xmlns:a="http://schemas.openxmlformats.org/drawingml/2006/main" xmlns:r="http://schemas.openxmlformats.org/officeDocument/2006/relationships" xmlns:p="http://schemas.openxmlformats.org/presentationml/2006/main">
-  <p:cSld>
-    <p:spTree>
-      <p:nvGrpSpPr>
-        <p:cNvPr id="1" name=""/>
-        <p:cNvGrpSpPr/>
-        <p:nvPr/>
-      </p:nvGrpSpPr>
-      <p:grpSpPr>
-        <a:xfrm>
-          <a:off x="0" y="0"/>
-          <a:ext cx="0" cy="0"/>
-          <a:chOff x="0" y="0"/>
-          <a:chExt cx="0" cy="0"/>
-        </a:xfrm>
-      </p:grpSpPr>
       <p:pic>
         <p:nvPicPr>
-          <p:cNvPr id="2" name="Picture 1"/>
+          <p:cNvPr id="5" name="Picture 4"/>
           <p:cNvPicPr>
             <a:picLocks noChangeAspect="1"/>
           </p:cNvPicPr>
           <p:nvPr/>
         </p:nvPicPr>
         <p:blipFill>
-          <a:blip r:embed="rId2"/>
+          <a:blip r:embed="rId5"/>
           <a:stretch>
             <a:fillRect/>
           </a:stretch>
         </p:blipFill>
         <p:spPr>
           <a:xfrm>
-            <a:off x="578498" y="233265"/>
-            <a:ext cx="10982131" cy="6428792"/>
+            <a:off x="6083850" y="3312367"/>
+            <a:ext cx="6219825" cy="3545633"/>
           </a:xfrm>
           <a:prstGeom prst="rect">
             <a:avLst/>
@@ -3284,7 +3237,7 @@
     </p:spTree>
     <p:extLst>
       <p:ext uri="{BB962C8B-B14F-4D97-AF65-F5344CB8AC3E}">
-        <p14:creationId xmlns:p14="http://schemas.microsoft.com/office/powerpoint/2010/main" val="898418985"/>
+        <p14:creationId xmlns:p14="http://schemas.microsoft.com/office/powerpoint/2010/main" val="3530960078"/>
       </p:ext>
     </p:extLst>
   </p:cSld>
@@ -3699,7 +3652,6 @@
               <a:rPr lang="en-US" dirty="0"/>
               <a:t>                  http://pandas.pydata.org/</a:t>
             </a:r>
-            <a:endParaRPr lang="en-US" dirty="0"/>
           </a:p>
         </p:txBody>
       </p:sp>
